--- a/assets/communities.pptx
+++ b/assets/communities.pptx
@@ -6,6 +6,7 @@
   </p:sldMasterIdLst>
   <p:sldIdLst>
     <p:sldId id="256" r:id="rId2"/>
+    <p:sldId id="257" r:id="rId3"/>
   </p:sldIdLst>
   <p:sldSz cx="5903913" cy="3671888"/>
   <p:notesSz cx="6858000" cy="9144000"/>
@@ -104,6 +105,11 @@
       </a:defRPr>
     </a:lvl9pPr>
   </p:defaultTextStyle>
+  <p:extLst>
+    <p:ext uri="{EFAFB233-063F-42B5-8137-9DF3F51BA10A}">
+      <p15:sldGuideLst xmlns:p15="http://schemas.microsoft.com/office/powerpoint/2012/main"/>
+    </p:ext>
+  </p:extLst>
 </p:presentation>
 </file>
 
@@ -2970,6 +2976,59 @@
       </p:grpSpPr>
       <p:pic>
         <p:nvPicPr>
+          <p:cNvPr id="2" name="Рисунок 1"/>
+          <p:cNvPicPr>
+            <a:picLocks noChangeAspect="1"/>
+          </p:cNvPicPr>
+          <p:nvPr/>
+        </p:nvPicPr>
+        <p:blipFill rotWithShape="1">
+          <a:blip r:embed="rId2"/>
+          <a:srcRect l="11312" t="12868" r="15065" b="5730"/>
+          <a:stretch/>
+        </p:blipFill>
+        <p:spPr>
+          <a:xfrm>
+            <a:off x="0" y="1"/>
+            <a:ext cx="5903913" cy="3671888"/>
+          </a:xfrm>
+          <a:prstGeom prst="rect">
+            <a:avLst/>
+          </a:prstGeom>
+        </p:spPr>
+      </p:pic>
+    </p:spTree>
+    <p:extLst>
+      <p:ext uri="{BB962C8B-B14F-4D97-AF65-F5344CB8AC3E}">
+        <p14:creationId xmlns:p14="http://schemas.microsoft.com/office/powerpoint/2010/main" val="3952592216"/>
+      </p:ext>
+    </p:extLst>
+  </p:cSld>
+  <p:clrMapOvr>
+    <a:masterClrMapping/>
+  </p:clrMapOvr>
+</p:sld>
+</file>
+
+<file path=ppt/slides/slide2.xml><?xml version="1.0" encoding="utf-8"?>
+<p:sld xmlns:a="http://schemas.openxmlformats.org/drawingml/2006/main" xmlns:r="http://schemas.openxmlformats.org/officeDocument/2006/relationships" xmlns:p="http://schemas.openxmlformats.org/presentationml/2006/main">
+  <p:cSld>
+    <p:spTree>
+      <p:nvGrpSpPr>
+        <p:cNvPr id="1" name=""/>
+        <p:cNvGrpSpPr/>
+        <p:nvPr/>
+      </p:nvGrpSpPr>
+      <p:grpSpPr>
+        <a:xfrm>
+          <a:off x="0" y="0"/>
+          <a:ext cx="0" cy="0"/>
+          <a:chOff x="0" y="0"/>
+          <a:chExt cx="0" cy="0"/>
+        </a:xfrm>
+      </p:grpSpPr>
+      <p:pic>
+        <p:nvPicPr>
           <p:cNvPr id="8" name="Рисунок 7"/>
           <p:cNvPicPr>
             <a:picLocks noChangeAspect="1"/>
@@ -2994,7 +3053,7 @@
     </p:spTree>
     <p:extLst>
       <p:ext uri="{BB962C8B-B14F-4D97-AF65-F5344CB8AC3E}">
-        <p14:creationId xmlns:p14="http://schemas.microsoft.com/office/powerpoint/2010/main" val="3952592216"/>
+        <p14:creationId xmlns:p14="http://schemas.microsoft.com/office/powerpoint/2010/main" val="3878169492"/>
       </p:ext>
     </p:extLst>
   </p:cSld>

--- a/assets/communities.pptx
+++ b/assets/communities.pptx
@@ -5,8 +5,13 @@
     <p:sldMasterId id="2147483672" r:id="rId1"/>
   </p:sldMasterIdLst>
   <p:sldIdLst>
-    <p:sldId id="256" r:id="rId2"/>
-    <p:sldId id="257" r:id="rId3"/>
+    <p:sldId id="258" r:id="rId2"/>
+    <p:sldId id="259" r:id="rId3"/>
+    <p:sldId id="260" r:id="rId4"/>
+    <p:sldId id="261" r:id="rId5"/>
+    <p:sldId id="262" r:id="rId6"/>
+    <p:sldId id="256" r:id="rId7"/>
+    <p:sldId id="257" r:id="rId8"/>
   </p:sldIdLst>
   <p:sldSz cx="5903913" cy="3671888"/>
   <p:notesSz cx="6858000" cy="9144000"/>
@@ -2976,6 +2981,179 @@
       </p:grpSpPr>
       <p:pic>
         <p:nvPicPr>
+          <p:cNvPr id="3" name="Рисунок 2"/>
+          <p:cNvPicPr>
+            <a:picLocks noChangeAspect="1"/>
+          </p:cNvPicPr>
+          <p:nvPr/>
+        </p:nvPicPr>
+        <p:blipFill rotWithShape="1">
+          <a:blip r:embed="rId2"/>
+          <a:srcRect l="20162" t="13207" r="6245" b="5423"/>
+          <a:stretch/>
+        </p:blipFill>
+        <p:spPr>
+          <a:xfrm>
+            <a:off x="0" y="0"/>
+            <a:ext cx="5903913" cy="3671888"/>
+          </a:xfrm>
+          <a:prstGeom prst="rect">
+            <a:avLst/>
+          </a:prstGeom>
+        </p:spPr>
+      </p:pic>
+    </p:spTree>
+    <p:extLst>
+      <p:ext uri="{BB962C8B-B14F-4D97-AF65-F5344CB8AC3E}">
+        <p14:creationId xmlns:p14="http://schemas.microsoft.com/office/powerpoint/2010/main" val="3371692852"/>
+      </p:ext>
+    </p:extLst>
+  </p:cSld>
+  <p:clrMapOvr>
+    <a:masterClrMapping/>
+  </p:clrMapOvr>
+</p:sld>
+</file>
+
+<file path=ppt/slides/slide2.xml><?xml version="1.0" encoding="utf-8"?>
+<p:sld xmlns:a="http://schemas.openxmlformats.org/drawingml/2006/main" xmlns:r="http://schemas.openxmlformats.org/officeDocument/2006/relationships" xmlns:p="http://schemas.openxmlformats.org/presentationml/2006/main">
+  <p:cSld>
+    <p:spTree>
+      <p:nvGrpSpPr>
+        <p:cNvPr id="1" name=""/>
+        <p:cNvGrpSpPr/>
+        <p:nvPr/>
+      </p:nvGrpSpPr>
+      <p:grpSpPr>
+        <a:xfrm>
+          <a:off x="0" y="0"/>
+          <a:ext cx="0" cy="0"/>
+          <a:chOff x="0" y="0"/>
+          <a:chExt cx="0" cy="0"/>
+        </a:xfrm>
+      </p:grpSpPr>
+    </p:spTree>
+    <p:extLst>
+      <p:ext uri="{BB962C8B-B14F-4D97-AF65-F5344CB8AC3E}">
+        <p14:creationId xmlns:p14="http://schemas.microsoft.com/office/powerpoint/2010/main" val="436379523"/>
+      </p:ext>
+    </p:extLst>
+  </p:cSld>
+  <p:clrMapOvr>
+    <a:masterClrMapping/>
+  </p:clrMapOvr>
+</p:sld>
+</file>
+
+<file path=ppt/slides/slide3.xml><?xml version="1.0" encoding="utf-8"?>
+<p:sld xmlns:a="http://schemas.openxmlformats.org/drawingml/2006/main" xmlns:r="http://schemas.openxmlformats.org/officeDocument/2006/relationships" xmlns:p="http://schemas.openxmlformats.org/presentationml/2006/main">
+  <p:cSld>
+    <p:spTree>
+      <p:nvGrpSpPr>
+        <p:cNvPr id="1" name=""/>
+        <p:cNvGrpSpPr/>
+        <p:nvPr/>
+      </p:nvGrpSpPr>
+      <p:grpSpPr>
+        <a:xfrm>
+          <a:off x="0" y="0"/>
+          <a:ext cx="0" cy="0"/>
+          <a:chOff x="0" y="0"/>
+          <a:chExt cx="0" cy="0"/>
+        </a:xfrm>
+      </p:grpSpPr>
+    </p:spTree>
+    <p:extLst>
+      <p:ext uri="{BB962C8B-B14F-4D97-AF65-F5344CB8AC3E}">
+        <p14:creationId xmlns:p14="http://schemas.microsoft.com/office/powerpoint/2010/main" val="3793542963"/>
+      </p:ext>
+    </p:extLst>
+  </p:cSld>
+  <p:clrMapOvr>
+    <a:masterClrMapping/>
+  </p:clrMapOvr>
+</p:sld>
+</file>
+
+<file path=ppt/slides/slide4.xml><?xml version="1.0" encoding="utf-8"?>
+<p:sld xmlns:a="http://schemas.openxmlformats.org/drawingml/2006/main" xmlns:r="http://schemas.openxmlformats.org/officeDocument/2006/relationships" xmlns:p="http://schemas.openxmlformats.org/presentationml/2006/main">
+  <p:cSld>
+    <p:spTree>
+      <p:nvGrpSpPr>
+        <p:cNvPr id="1" name=""/>
+        <p:cNvGrpSpPr/>
+        <p:nvPr/>
+      </p:nvGrpSpPr>
+      <p:grpSpPr>
+        <a:xfrm>
+          <a:off x="0" y="0"/>
+          <a:ext cx="0" cy="0"/>
+          <a:chOff x="0" y="0"/>
+          <a:chExt cx="0" cy="0"/>
+        </a:xfrm>
+      </p:grpSpPr>
+    </p:spTree>
+    <p:extLst>
+      <p:ext uri="{BB962C8B-B14F-4D97-AF65-F5344CB8AC3E}">
+        <p14:creationId xmlns:p14="http://schemas.microsoft.com/office/powerpoint/2010/main" val="1947863826"/>
+      </p:ext>
+    </p:extLst>
+  </p:cSld>
+  <p:clrMapOvr>
+    <a:masterClrMapping/>
+  </p:clrMapOvr>
+</p:sld>
+</file>
+
+<file path=ppt/slides/slide5.xml><?xml version="1.0" encoding="utf-8"?>
+<p:sld xmlns:a="http://schemas.openxmlformats.org/drawingml/2006/main" xmlns:r="http://schemas.openxmlformats.org/officeDocument/2006/relationships" xmlns:p="http://schemas.openxmlformats.org/presentationml/2006/main">
+  <p:cSld>
+    <p:spTree>
+      <p:nvGrpSpPr>
+        <p:cNvPr id="1" name=""/>
+        <p:cNvGrpSpPr/>
+        <p:nvPr/>
+      </p:nvGrpSpPr>
+      <p:grpSpPr>
+        <a:xfrm>
+          <a:off x="0" y="0"/>
+          <a:ext cx="0" cy="0"/>
+          <a:chOff x="0" y="0"/>
+          <a:chExt cx="0" cy="0"/>
+        </a:xfrm>
+      </p:grpSpPr>
+    </p:spTree>
+    <p:extLst>
+      <p:ext uri="{BB962C8B-B14F-4D97-AF65-F5344CB8AC3E}">
+        <p14:creationId xmlns:p14="http://schemas.microsoft.com/office/powerpoint/2010/main" val="2750298367"/>
+      </p:ext>
+    </p:extLst>
+  </p:cSld>
+  <p:clrMapOvr>
+    <a:masterClrMapping/>
+  </p:clrMapOvr>
+</p:sld>
+</file>
+
+<file path=ppt/slides/slide6.xml><?xml version="1.0" encoding="utf-8"?>
+<p:sld xmlns:a="http://schemas.openxmlformats.org/drawingml/2006/main" xmlns:r="http://schemas.openxmlformats.org/officeDocument/2006/relationships" xmlns:p="http://schemas.openxmlformats.org/presentationml/2006/main">
+  <p:cSld>
+    <p:spTree>
+      <p:nvGrpSpPr>
+        <p:cNvPr id="1" name=""/>
+        <p:cNvGrpSpPr/>
+        <p:nvPr/>
+      </p:nvGrpSpPr>
+      <p:grpSpPr>
+        <a:xfrm>
+          <a:off x="0" y="0"/>
+          <a:ext cx="0" cy="0"/>
+          <a:chOff x="0" y="0"/>
+          <a:chExt cx="0" cy="0"/>
+        </a:xfrm>
+      </p:grpSpPr>
+      <p:pic>
+        <p:nvPicPr>
           <p:cNvPr id="2" name="Рисунок 1"/>
           <p:cNvPicPr>
             <a:picLocks noChangeAspect="1"/>
@@ -3010,7 +3188,7 @@
 </p:sld>
 </file>
 
-<file path=ppt/slides/slide2.xml><?xml version="1.0" encoding="utf-8"?>
+<file path=ppt/slides/slide7.xml><?xml version="1.0" encoding="utf-8"?>
 <p:sld xmlns:a="http://schemas.openxmlformats.org/drawingml/2006/main" xmlns:r="http://schemas.openxmlformats.org/officeDocument/2006/relationships" xmlns:p="http://schemas.openxmlformats.org/presentationml/2006/main">
   <p:cSld>
     <p:spTree>

--- a/assets/communities.pptx
+++ b/assets/communities.pptx
@@ -5,11 +5,11 @@
     <p:sldMasterId id="2147483672" r:id="rId1"/>
   </p:sldMasterIdLst>
   <p:sldIdLst>
-    <p:sldId id="258" r:id="rId2"/>
-    <p:sldId id="259" r:id="rId3"/>
-    <p:sldId id="260" r:id="rId4"/>
-    <p:sldId id="261" r:id="rId5"/>
-    <p:sldId id="262" r:id="rId6"/>
+    <p:sldId id="259" r:id="rId2"/>
+    <p:sldId id="260" r:id="rId3"/>
+    <p:sldId id="261" r:id="rId4"/>
+    <p:sldId id="262" r:id="rId5"/>
+    <p:sldId id="258" r:id="rId6"/>
     <p:sldId id="256" r:id="rId7"/>
     <p:sldId id="257" r:id="rId8"/>
   </p:sldIdLst>
@@ -2981,7 +2981,7 @@
       </p:grpSpPr>
       <p:pic>
         <p:nvPicPr>
-          <p:cNvPr id="3" name="Рисунок 2"/>
+          <p:cNvPr id="2" name="Рисунок 1"/>
           <p:cNvPicPr>
             <a:picLocks noChangeAspect="1"/>
           </p:cNvPicPr>
@@ -2989,13 +2989,13 @@
         </p:nvPicPr>
         <p:blipFill rotWithShape="1">
           <a:blip r:embed="rId2"/>
-          <a:srcRect l="20162" t="13207" r="6245" b="5423"/>
+          <a:srcRect l="16234" t="12567" r="18685" b="15476"/>
           <a:stretch/>
         </p:blipFill>
         <p:spPr>
           <a:xfrm>
-            <a:off x="0" y="0"/>
-            <a:ext cx="5903913" cy="3671888"/>
+            <a:off x="0" y="1"/>
+            <a:ext cx="5903914" cy="3671888"/>
           </a:xfrm>
           <a:prstGeom prst="rect">
             <a:avLst/>
@@ -3005,7 +3005,7 @@
     </p:spTree>
     <p:extLst>
       <p:ext uri="{BB962C8B-B14F-4D97-AF65-F5344CB8AC3E}">
-        <p14:creationId xmlns:p14="http://schemas.microsoft.com/office/powerpoint/2010/main" val="3371692852"/>
+        <p14:creationId xmlns:p14="http://schemas.microsoft.com/office/powerpoint/2010/main" val="436379523"/>
       </p:ext>
     </p:extLst>
   </p:cSld>
@@ -3035,7 +3035,7 @@
     </p:spTree>
     <p:extLst>
       <p:ext uri="{BB962C8B-B14F-4D97-AF65-F5344CB8AC3E}">
-        <p14:creationId xmlns:p14="http://schemas.microsoft.com/office/powerpoint/2010/main" val="436379523"/>
+        <p14:creationId xmlns:p14="http://schemas.microsoft.com/office/powerpoint/2010/main" val="3793542963"/>
       </p:ext>
     </p:extLst>
   </p:cSld>
@@ -3065,7 +3065,7 @@
     </p:spTree>
     <p:extLst>
       <p:ext uri="{BB962C8B-B14F-4D97-AF65-F5344CB8AC3E}">
-        <p14:creationId xmlns:p14="http://schemas.microsoft.com/office/powerpoint/2010/main" val="3793542963"/>
+        <p14:creationId xmlns:p14="http://schemas.microsoft.com/office/powerpoint/2010/main" val="1947863826"/>
       </p:ext>
     </p:extLst>
   </p:cSld>
@@ -3095,7 +3095,7 @@
     </p:spTree>
     <p:extLst>
       <p:ext uri="{BB962C8B-B14F-4D97-AF65-F5344CB8AC3E}">
-        <p14:creationId xmlns:p14="http://schemas.microsoft.com/office/powerpoint/2010/main" val="1947863826"/>
+        <p14:creationId xmlns:p14="http://schemas.microsoft.com/office/powerpoint/2010/main" val="2750298367"/>
       </p:ext>
     </p:extLst>
   </p:cSld>
@@ -3122,10 +3122,33 @@
           <a:chExt cx="0" cy="0"/>
         </a:xfrm>
       </p:grpSpPr>
+      <p:pic>
+        <p:nvPicPr>
+          <p:cNvPr id="3" name="Рисунок 2"/>
+          <p:cNvPicPr>
+            <a:picLocks noChangeAspect="1"/>
+          </p:cNvPicPr>
+          <p:nvPr/>
+        </p:nvPicPr>
+        <p:blipFill rotWithShape="1">
+          <a:blip r:embed="rId2"/>
+          <a:srcRect l="20162" t="13207" r="6245" b="5423"/>
+          <a:stretch/>
+        </p:blipFill>
+        <p:spPr>
+          <a:xfrm>
+            <a:off x="0" y="0"/>
+            <a:ext cx="5903913" cy="3671888"/>
+          </a:xfrm>
+          <a:prstGeom prst="rect">
+            <a:avLst/>
+          </a:prstGeom>
+        </p:spPr>
+      </p:pic>
     </p:spTree>
     <p:extLst>
       <p:ext uri="{BB962C8B-B14F-4D97-AF65-F5344CB8AC3E}">
-        <p14:creationId xmlns:p14="http://schemas.microsoft.com/office/powerpoint/2010/main" val="2750298367"/>
+        <p14:creationId xmlns:p14="http://schemas.microsoft.com/office/powerpoint/2010/main" val="3371692852"/>
       </p:ext>
     </p:extLst>
   </p:cSld>

--- a/assets/communities.pptx
+++ b/assets/communities.pptx
@@ -5,10 +5,10 @@
     <p:sldMasterId id="2147483672" r:id="rId1"/>
   </p:sldMasterIdLst>
   <p:sldIdLst>
-    <p:sldId id="259" r:id="rId2"/>
-    <p:sldId id="260" r:id="rId3"/>
-    <p:sldId id="261" r:id="rId4"/>
-    <p:sldId id="262" r:id="rId5"/>
+    <p:sldId id="260" r:id="rId2"/>
+    <p:sldId id="261" r:id="rId3"/>
+    <p:sldId id="262" r:id="rId4"/>
+    <p:sldId id="259" r:id="rId5"/>
     <p:sldId id="258" r:id="rId6"/>
     <p:sldId id="256" r:id="rId7"/>
     <p:sldId id="257" r:id="rId8"/>
@@ -2989,13 +2989,13 @@
         </p:nvPicPr>
         <p:blipFill rotWithShape="1">
           <a:blip r:embed="rId2"/>
-          <a:srcRect l="16234" t="12567" r="18685" b="15476"/>
+          <a:srcRect l="14972" t="12514" r="18062" b="14168"/>
           <a:stretch/>
         </p:blipFill>
         <p:spPr>
           <a:xfrm>
-            <a:off x="0" y="1"/>
-            <a:ext cx="5903914" cy="3671888"/>
+            <a:off x="-58478" y="0"/>
+            <a:ext cx="5962391" cy="3671888"/>
           </a:xfrm>
           <a:prstGeom prst="rect">
             <a:avLst/>
@@ -3005,7 +3005,7 @@
     </p:spTree>
     <p:extLst>
       <p:ext uri="{BB962C8B-B14F-4D97-AF65-F5344CB8AC3E}">
-        <p14:creationId xmlns:p14="http://schemas.microsoft.com/office/powerpoint/2010/main" val="436379523"/>
+        <p14:creationId xmlns:p14="http://schemas.microsoft.com/office/powerpoint/2010/main" val="3793542963"/>
       </p:ext>
     </p:extLst>
   </p:cSld>
@@ -3035,7 +3035,7 @@
     </p:spTree>
     <p:extLst>
       <p:ext uri="{BB962C8B-B14F-4D97-AF65-F5344CB8AC3E}">
-        <p14:creationId xmlns:p14="http://schemas.microsoft.com/office/powerpoint/2010/main" val="3793542963"/>
+        <p14:creationId xmlns:p14="http://schemas.microsoft.com/office/powerpoint/2010/main" val="1947863826"/>
       </p:ext>
     </p:extLst>
   </p:cSld>
@@ -3065,7 +3065,7 @@
     </p:spTree>
     <p:extLst>
       <p:ext uri="{BB962C8B-B14F-4D97-AF65-F5344CB8AC3E}">
-        <p14:creationId xmlns:p14="http://schemas.microsoft.com/office/powerpoint/2010/main" val="1947863826"/>
+        <p14:creationId xmlns:p14="http://schemas.microsoft.com/office/powerpoint/2010/main" val="2750298367"/>
       </p:ext>
     </p:extLst>
   </p:cSld>
@@ -3092,10 +3092,33 @@
           <a:chExt cx="0" cy="0"/>
         </a:xfrm>
       </p:grpSpPr>
+      <p:pic>
+        <p:nvPicPr>
+          <p:cNvPr id="2" name="Рисунок 1"/>
+          <p:cNvPicPr>
+            <a:picLocks noChangeAspect="1"/>
+          </p:cNvPicPr>
+          <p:nvPr/>
+        </p:nvPicPr>
+        <p:blipFill rotWithShape="1">
+          <a:blip r:embed="rId2"/>
+          <a:srcRect l="16234" t="12567" r="18685" b="15476"/>
+          <a:stretch/>
+        </p:blipFill>
+        <p:spPr>
+          <a:xfrm>
+            <a:off x="0" y="1"/>
+            <a:ext cx="5903914" cy="3671888"/>
+          </a:xfrm>
+          <a:prstGeom prst="rect">
+            <a:avLst/>
+          </a:prstGeom>
+        </p:spPr>
+      </p:pic>
     </p:spTree>
     <p:extLst>
       <p:ext uri="{BB962C8B-B14F-4D97-AF65-F5344CB8AC3E}">
-        <p14:creationId xmlns:p14="http://schemas.microsoft.com/office/powerpoint/2010/main" val="2750298367"/>
+        <p14:creationId xmlns:p14="http://schemas.microsoft.com/office/powerpoint/2010/main" val="436379523"/>
       </p:ext>
     </p:extLst>
   </p:cSld>
